--- a/Programming_2.pptx
+++ b/Programming_2.pptx
@@ -19539,8 +19539,8 @@
         </p:nvSpPr>
         <p:spPr>
           <a:xfrm>
-            <a:off x="5620599" y="3941724"/>
-            <a:ext cx="407406" cy="338554"/>
+            <a:off x="5623956" y="3941724"/>
+            <a:ext cx="413988" cy="338554"/>
           </a:xfrm>
           <a:prstGeom prst="rect">
             <a:avLst/>
